--- a/PPT/正则表达式.pptx
+++ b/PPT/正则表达式.pptx
@@ -3721,7 +3721,6 @@
               <a:rPr lang="zh-CN" altLang="en-US" dirty="0"/>
               <a:t>支持量词是贪婪量词第一次匹配不成功时，阻止正则表达式继续匹配，使得正则表达式效率更高。</a:t>
             </a:r>
-            <a:endParaRPr lang="zh-CN" altLang="en-US" dirty="0"/>
           </a:p>
         </p:txBody>
       </p:sp>
@@ -3805,71 +3804,104 @@
           <a:bodyPr/>
           <a:lstStyle/>
           <a:p>
-            <a:r>
-              <a:rPr lang="zh-CN" altLang="en-US" sz="2400" dirty="0"/>
-              <a:t>过滤选择器</a:t>
-            </a:r>
-          </a:p>
-          <a:p>
-            <a:pPr>
-              <a:buFont typeface="Wingdings 3" panose="05040102010807070707" pitchFamily="18" charset="2"/>
+            <a:pPr marL="0" indent="0">
               <a:buNone/>
             </a:pPr>
             <a:r>
-              <a:rPr lang="zh-CN" altLang="en-US" sz="2400" dirty="0"/>
-              <a:t>   </a:t>
-            </a:r>
-            <a:r>
-              <a:rPr lang="zh-CN" altLang="en-US" sz="2400" dirty="0" smtClean="0"/>
-              <a:t>  过滤</a:t>
-            </a:r>
-            <a:r>
-              <a:rPr lang="zh-CN" altLang="en-US" sz="2400" dirty="0"/>
-              <a:t>选择器主要通过特定的过滤规则来筛选中所需的</a:t>
-            </a:r>
-            <a:r>
-              <a:rPr lang="en-US" altLang="zh-CN" sz="2400" dirty="0"/>
-              <a:t>DOM</a:t>
-            </a:r>
-            <a:r>
-              <a:rPr lang="zh-CN" altLang="en-US" sz="2400" dirty="0"/>
-              <a:t>元素</a:t>
-            </a:r>
-            <a:r>
-              <a:rPr lang="zh-CN" altLang="en-US" sz="2400" dirty="0" smtClean="0"/>
-              <a:t>，过滤规则同</a:t>
-            </a:r>
-            <a:r>
-              <a:rPr lang="en-US" altLang="zh-CN" sz="2400" dirty="0" smtClean="0"/>
-              <a:t>CSS</a:t>
-            </a:r>
-            <a:r>
-              <a:rPr lang="zh-CN" altLang="en-US" sz="2400" dirty="0" smtClean="0"/>
-              <a:t>中的伪类选择器</a:t>
-            </a:r>
-            <a:r>
-              <a:rPr lang="en-US" altLang="zh-CN" sz="2400" dirty="0" smtClean="0"/>
-              <a:t>,</a:t>
-            </a:r>
-            <a:r>
-              <a:rPr lang="zh-CN" altLang="en-US" sz="2400" dirty="0" smtClean="0"/>
-              <a:t>要</a:t>
-            </a:r>
-            <a:r>
-              <a:rPr lang="zh-CN" altLang="en-US" sz="2400" dirty="0"/>
-              <a:t>用到 </a:t>
-            </a:r>
-            <a:r>
-              <a:rPr lang="en-US" altLang="zh-CN" sz="2400" dirty="0"/>
-              <a:t>: ,</a:t>
-            </a:r>
-            <a:r>
-              <a:rPr lang="zh-CN" altLang="en-US" sz="2400" dirty="0"/>
-              <a:t>具体可分为：基本过滤、内容过滤、可见性过滤、子元素过滤、表单对象属性过滤</a:t>
-            </a:r>
-            <a:endParaRPr lang="en-US" altLang="zh-CN" sz="2400" dirty="0"/>
-          </a:p>
-          <a:p>
+              <a:rPr lang="zh-CN" altLang="en-US" dirty="0" smtClean="0"/>
+              <a:t>分支条件</a:t>
+            </a:r>
+            <a:r>
+              <a:rPr lang="zh-CN" altLang="en-US" dirty="0"/>
+              <a:t>   </a:t>
+            </a:r>
+            <a:r>
+              <a:rPr lang="en-US" altLang="zh-CN" dirty="0" smtClean="0"/>
+              <a:t>|</a:t>
+            </a:r>
+          </a:p>
+          <a:p>
+            <a:pPr marL="0" indent="0">
+              <a:buNone/>
+            </a:pPr>
+            <a:r>
+              <a:rPr lang="zh-CN" altLang="en-US" dirty="0"/>
+              <a:t>正则表达式里的分枝条件指的是有几种规则，如果满足其中任意一种规则都应该当成匹配，具体方法是用</a:t>
+            </a:r>
+            <a:r>
+              <a:rPr lang="en-US" altLang="zh-CN" dirty="0"/>
+              <a:t>|</a:t>
+            </a:r>
+            <a:r>
+              <a:rPr lang="zh-CN" altLang="en-US" dirty="0"/>
+              <a:t>把不同的规则分</a:t>
+            </a:r>
+            <a:r>
+              <a:rPr lang="zh-CN" altLang="en-US" dirty="0" smtClean="0"/>
+              <a:t>隔开。</a:t>
+            </a:r>
+            <a:endParaRPr lang="en-US" altLang="zh-CN" dirty="0" smtClean="0"/>
+          </a:p>
+          <a:p>
+            <a:pPr marL="0" indent="0">
+              <a:buNone/>
+            </a:pPr>
+            <a:r>
+              <a:rPr lang="en-US" altLang="zh-CN" dirty="0"/>
+              <a:t>0\d{2}-\d{8}|0\d{3}-\d{7}</a:t>
+            </a:r>
+            <a:r>
+              <a:rPr lang="zh-CN" altLang="en-US" dirty="0"/>
+              <a:t>这个表达式能匹配两种以连字号分隔的电话号码：一种是三位区号，</a:t>
+            </a:r>
+            <a:r>
+              <a:rPr lang="en-US" altLang="zh-CN" dirty="0"/>
+              <a:t>8</a:t>
+            </a:r>
+            <a:r>
+              <a:rPr lang="zh-CN" altLang="en-US" dirty="0"/>
+              <a:t>位本地号</a:t>
+            </a:r>
+            <a:r>
+              <a:rPr lang="en-US" altLang="zh-CN" dirty="0"/>
+              <a:t>(</a:t>
+            </a:r>
+            <a:r>
+              <a:rPr lang="zh-CN" altLang="en-US" dirty="0"/>
+              <a:t>如</a:t>
+            </a:r>
+            <a:r>
+              <a:rPr lang="en-US" altLang="zh-CN" dirty="0"/>
+              <a:t>010-12345678)</a:t>
+            </a:r>
+            <a:r>
+              <a:rPr lang="zh-CN" altLang="en-US" dirty="0"/>
+              <a:t>，一种是</a:t>
+            </a:r>
+            <a:r>
+              <a:rPr lang="en-US" altLang="zh-CN" dirty="0"/>
+              <a:t>4</a:t>
+            </a:r>
+            <a:r>
+              <a:rPr lang="zh-CN" altLang="en-US" dirty="0"/>
+              <a:t>位区号，</a:t>
+            </a:r>
+            <a:r>
+              <a:rPr lang="en-US" altLang="zh-CN" dirty="0"/>
+              <a:t>7</a:t>
+            </a:r>
+            <a:r>
+              <a:rPr lang="zh-CN" altLang="en-US" dirty="0"/>
+              <a:t>位本地号</a:t>
+            </a:r>
+            <a:r>
+              <a:rPr lang="en-US" altLang="zh-CN" dirty="0"/>
+              <a:t>(0376-2233445)</a:t>
+            </a:r>
+            <a:r>
+              <a:rPr lang="zh-CN" altLang="en-US" dirty="0"/>
+              <a:t>。</a:t>
+            </a:r>
             <a:endParaRPr lang="zh-CN" altLang="en-US" dirty="0"/>
           </a:p>
         </p:txBody>
@@ -3935,76 +3967,64 @@
               <a:rPr lang="zh-CN" altLang="en-US" dirty="0"/>
               <a:t>分组</a:t>
             </a:r>
-            <a:endParaRPr lang="zh-CN" altLang="en-US" dirty="0"/>
-          </a:p>
-        </p:txBody>
-      </p:sp>
-      <p:pic>
-        <p:nvPicPr>
-          <p:cNvPr id="4" name="Picture 4"/>
-          <p:cNvPicPr>
-            <a:picLocks noGrp="1" noChangeAspect="1" noChangeArrowheads="1"/>
-          </p:cNvPicPr>
+          </a:p>
+        </p:txBody>
+      </p:sp>
+      <p:sp>
+        <p:nvSpPr>
+          <p:cNvPr id="3" name="内容占位符 2"/>
+          <p:cNvSpPr>
+            <a:spLocks noGrp="1"/>
+          </p:cNvSpPr>
           <p:nvPr>
             <p:ph idx="1"/>
           </p:nvPr>
-        </p:nvPicPr>
-        <p:blipFill>
-          <a:blip r:embed="rId3" cstate="print">
-            <a:extLst>
-              <a:ext uri="{28A0092B-C50C-407E-A947-70E740481C1C}">
-                <a14:useLocalDpi xmlns:a14="http://schemas.microsoft.com/office/drawing/2010/main" val="0"/>
-              </a:ext>
-            </a:extLst>
-          </a:blip>
-          <a:srcRect/>
-          <a:stretch>
-            <a:fillRect/>
-          </a:stretch>
-        </p:blipFill>
-        <p:spPr bwMode="auto">
-          <a:xfrm>
-            <a:off x="992261" y="1600200"/>
-            <a:ext cx="7159477" cy="4525963"/>
-          </a:xfrm>
-          <a:prstGeom prst="rect">
-            <a:avLst/>
-          </a:prstGeom>
-          <a:noFill/>
-          <a:ln>
-            <a:noFill/>
-          </a:ln>
-          <a:effectLst/>
-          <a:extLst>
-            <a:ext uri="{909E8E84-426E-40DD-AFC4-6F175D3DCCD1}">
-              <a14:hiddenFill xmlns:a14="http://schemas.microsoft.com/office/drawing/2010/main">
-                <a:solidFill>
-                  <a:schemeClr val="accent1"/>
-                </a:solidFill>
-              </a14:hiddenFill>
-            </a:ext>
-            <a:ext uri="{91240B29-F687-4F45-9708-019B960494DF}">
-              <a14:hiddenLine xmlns:a14="http://schemas.microsoft.com/office/drawing/2010/main" w="9525">
-                <a:solidFill>
-                  <a:schemeClr val="tx1"/>
-                </a:solidFill>
-                <a:miter lim="800000"/>
-                <a:headEnd/>
-                <a:tailEnd/>
-              </a14:hiddenLine>
-            </a:ext>
-            <a:ext uri="{AF507438-7753-43E0-B8FC-AC1667EBCBE1}">
-              <a14:hiddenEffects xmlns:a14="http://schemas.microsoft.com/office/drawing/2010/main">
-                <a:effectLst>
-                  <a:outerShdw dist="35921" dir="2700000" algn="ctr" rotWithShape="0">
-                    <a:schemeClr val="bg2"/>
-                  </a:outerShdw>
-                </a:effectLst>
-              </a14:hiddenEffects>
-            </a:ext>
-          </a:extLst>
-        </p:spPr>
-      </p:pic>
+        </p:nvSpPr>
+        <p:spPr/>
+        <p:txBody>
+          <a:bodyPr/>
+          <a:lstStyle/>
+          <a:p>
+            <a:r>
+              <a:rPr lang="zh-CN" altLang="en-US" dirty="0"/>
+              <a:t>你可以用小括号来指定子表达式</a:t>
+            </a:r>
+            <a:r>
+              <a:rPr lang="en-US" altLang="zh-CN" dirty="0"/>
+              <a:t>(</a:t>
+            </a:r>
+            <a:r>
+              <a:rPr lang="zh-CN" altLang="en-US" dirty="0"/>
+              <a:t>也叫做分组</a:t>
+            </a:r>
+            <a:r>
+              <a:rPr lang="en-US" altLang="zh-CN" dirty="0" smtClean="0"/>
+              <a:t>)</a:t>
+            </a:r>
+          </a:p>
+          <a:p>
+            <a:endParaRPr lang="en-US" altLang="zh-CN" dirty="0"/>
+          </a:p>
+          <a:p>
+            <a:r>
+              <a:rPr lang="en-US" altLang="zh-CN" dirty="0"/>
+              <a:t>(\d{1,3}\.){3}\d{1,3}</a:t>
+            </a:r>
+            <a:r>
+              <a:rPr lang="zh-CN" altLang="en-US" dirty="0"/>
+              <a:t>是一个简单的</a:t>
+            </a:r>
+            <a:r>
+              <a:rPr lang="en-US" altLang="zh-CN" dirty="0"/>
+              <a:t>IP</a:t>
+            </a:r>
+            <a:r>
+              <a:rPr lang="zh-CN" altLang="en-US" dirty="0"/>
+              <a:t>地址匹配表达式</a:t>
+            </a:r>
+          </a:p>
+        </p:txBody>
+      </p:sp>
     </p:spTree>
     <p:extLst>
       <p:ext uri="{BB962C8B-B14F-4D97-AF65-F5344CB8AC3E}">
@@ -4070,25 +4090,736 @@
           </a:p>
         </p:txBody>
       </p:sp>
-      <p:sp>
-        <p:nvSpPr>
-          <p:cNvPr id="3" name="内容占位符 2"/>
-          <p:cNvSpPr>
-            <a:spLocks noGrp="1"/>
-          </p:cNvSpPr>
+      <p:graphicFrame>
+        <p:nvGraphicFramePr>
+          <p:cNvPr id="4" name="内容占位符 3"/>
+          <p:cNvGraphicFramePr>
+            <a:graphicFrameLocks noGrp="1"/>
+          </p:cNvGraphicFramePr>
           <p:nvPr>
             <p:ph idx="1"/>
-          </p:nvPr>
-        </p:nvSpPr>
-        <p:spPr/>
-        <p:txBody>
-          <a:bodyPr/>
-          <a:lstStyle/>
-          <a:p>
-            <a:endParaRPr lang="zh-CN" altLang="en-US"/>
-          </a:p>
-        </p:txBody>
-      </p:sp>
+            <p:extLst>
+              <p:ext uri="{D42A27DB-BD31-4B8C-83A1-F6EECF244321}">
+                <p14:modId xmlns:p14="http://schemas.microsoft.com/office/powerpoint/2010/main" val="326308815"/>
+              </p:ext>
+            </p:extLst>
+          </p:nvPr>
+        </p:nvGraphicFramePr>
+        <p:xfrm>
+          <a:off x="1339170" y="1916832"/>
+          <a:ext cx="6465660" cy="3592036"/>
+        </p:xfrm>
+        <a:graphic>
+          <a:graphicData uri="http://schemas.openxmlformats.org/drawingml/2006/table">
+            <a:tbl>
+              <a:tblPr/>
+              <a:tblGrid>
+                <a:gridCol w="2155220">
+                  <a:extLst>
+                    <a:ext uri="{9D8B030D-6E8A-4147-A177-3AD203B41FA5}">
+                      <a16:colId xmlns:a16="http://schemas.microsoft.com/office/drawing/2014/main" val="2351254268"/>
+                    </a:ext>
+                  </a:extLst>
+                </a:gridCol>
+                <a:gridCol w="2155220">
+                  <a:extLst>
+                    <a:ext uri="{9D8B030D-6E8A-4147-A177-3AD203B41FA5}">
+                      <a16:colId xmlns:a16="http://schemas.microsoft.com/office/drawing/2014/main" val="2542857181"/>
+                    </a:ext>
+                  </a:extLst>
+                </a:gridCol>
+                <a:gridCol w="2155220">
+                  <a:extLst>
+                    <a:ext uri="{9D8B030D-6E8A-4147-A177-3AD203B41FA5}">
+                      <a16:colId xmlns:a16="http://schemas.microsoft.com/office/drawing/2014/main" val="1469680375"/>
+                    </a:ext>
+                  </a:extLst>
+                </a:gridCol>
+              </a:tblGrid>
+              <a:tr h="287363">
+                <a:tc>
+                  <a:txBody>
+                    <a:bodyPr/>
+                    <a:lstStyle/>
+                    <a:p>
+                      <a:r>
+                        <a:rPr lang="zh-CN" altLang="en-US" sz="1400" dirty="0"/>
+                        <a:t>分类</a:t>
+                      </a:r>
+                    </a:p>
+                  </a:txBody>
+                  <a:tcPr marL="71841" marR="71841" marT="35920" marB="35920" anchor="ctr">
+                    <a:lnL>
+                      <a:noFill/>
+                    </a:lnL>
+                    <a:lnR>
+                      <a:noFill/>
+                    </a:lnR>
+                    <a:lnT>
+                      <a:noFill/>
+                    </a:lnT>
+                    <a:lnB>
+                      <a:noFill/>
+                    </a:lnB>
+                  </a:tcPr>
+                </a:tc>
+                <a:tc>
+                  <a:txBody>
+                    <a:bodyPr/>
+                    <a:lstStyle/>
+                    <a:p>
+                      <a:r>
+                        <a:rPr lang="zh-CN" altLang="en-US" sz="1400"/>
+                        <a:t>代码</a:t>
+                      </a:r>
+                      <a:r>
+                        <a:rPr lang="en-US" altLang="zh-CN" sz="1400"/>
+                        <a:t>/</a:t>
+                      </a:r>
+                      <a:r>
+                        <a:rPr lang="zh-CN" altLang="en-US" sz="1400"/>
+                        <a:t>语法</a:t>
+                      </a:r>
+                    </a:p>
+                  </a:txBody>
+                  <a:tcPr marL="71841" marR="71841" marT="35920" marB="35920" anchor="ctr">
+                    <a:lnL>
+                      <a:noFill/>
+                    </a:lnL>
+                    <a:lnR>
+                      <a:noFill/>
+                    </a:lnR>
+                    <a:lnT>
+                      <a:noFill/>
+                    </a:lnT>
+                    <a:lnB>
+                      <a:noFill/>
+                    </a:lnB>
+                  </a:tcPr>
+                </a:tc>
+                <a:tc>
+                  <a:txBody>
+                    <a:bodyPr/>
+                    <a:lstStyle/>
+                    <a:p>
+                      <a:r>
+                        <a:rPr lang="zh-CN" altLang="en-US" sz="1400"/>
+                        <a:t>说明</a:t>
+                      </a:r>
+                    </a:p>
+                  </a:txBody>
+                  <a:tcPr marL="71841" marR="71841" marT="35920" marB="35920" anchor="ctr">
+                    <a:lnL>
+                      <a:noFill/>
+                    </a:lnL>
+                    <a:lnR>
+                      <a:noFill/>
+                    </a:lnR>
+                    <a:lnT>
+                      <a:noFill/>
+                    </a:lnT>
+                    <a:lnB>
+                      <a:noFill/>
+                    </a:lnB>
+                  </a:tcPr>
+                </a:tc>
+                <a:extLst>
+                  <a:ext uri="{0D108BD9-81ED-4DB2-BD59-A6C34878D82A}">
+                    <a16:rowId xmlns:a16="http://schemas.microsoft.com/office/drawing/2014/main" val="793701870"/>
+                  </a:ext>
+                </a:extLst>
+              </a:tr>
+              <a:tr h="502885">
+                <a:tc rowSpan="3">
+                  <a:txBody>
+                    <a:bodyPr/>
+                    <a:lstStyle/>
+                    <a:p>
+                      <a:r>
+                        <a:rPr lang="zh-CN" altLang="en-US" sz="1400" dirty="0"/>
+                        <a:t>捕获</a:t>
+                      </a:r>
+                    </a:p>
+                  </a:txBody>
+                  <a:tcPr marL="71841" marR="71841" marT="35920" marB="35920" anchor="ctr">
+                    <a:lnL>
+                      <a:noFill/>
+                    </a:lnL>
+                    <a:lnR>
+                      <a:noFill/>
+                    </a:lnR>
+                    <a:lnT>
+                      <a:noFill/>
+                    </a:lnT>
+                    <a:lnB>
+                      <a:noFill/>
+                    </a:lnB>
+                  </a:tcPr>
+                </a:tc>
+                <a:tc>
+                  <a:txBody>
+                    <a:bodyPr/>
+                    <a:lstStyle/>
+                    <a:p>
+                      <a:r>
+                        <a:rPr lang="en-US" sz="1400"/>
+                        <a:t>(exp)</a:t>
+                      </a:r>
+                    </a:p>
+                  </a:txBody>
+                  <a:tcPr marL="71841" marR="71841" marT="35920" marB="35920" anchor="ctr">
+                    <a:lnL>
+                      <a:noFill/>
+                    </a:lnL>
+                    <a:lnR>
+                      <a:noFill/>
+                    </a:lnR>
+                    <a:lnT>
+                      <a:noFill/>
+                    </a:lnT>
+                    <a:lnB>
+                      <a:noFill/>
+                    </a:lnB>
+                  </a:tcPr>
+                </a:tc>
+                <a:tc>
+                  <a:txBody>
+                    <a:bodyPr/>
+                    <a:lstStyle/>
+                    <a:p>
+                      <a:r>
+                        <a:rPr lang="zh-CN" altLang="en-US" sz="1400"/>
+                        <a:t>匹配</a:t>
+                      </a:r>
+                      <a:r>
+                        <a:rPr lang="en-US" altLang="zh-CN" sz="1400"/>
+                        <a:t>exp,</a:t>
+                      </a:r>
+                      <a:r>
+                        <a:rPr lang="zh-CN" altLang="en-US" sz="1400"/>
+                        <a:t>并捕获文本到自动命名的组里</a:t>
+                      </a:r>
+                    </a:p>
+                  </a:txBody>
+                  <a:tcPr marL="71841" marR="71841" marT="35920" marB="35920" anchor="ctr">
+                    <a:lnL>
+                      <a:noFill/>
+                    </a:lnL>
+                    <a:lnR>
+                      <a:noFill/>
+                    </a:lnR>
+                    <a:lnT>
+                      <a:noFill/>
+                    </a:lnT>
+                    <a:lnB>
+                      <a:noFill/>
+                    </a:lnB>
+                  </a:tcPr>
+                </a:tc>
+                <a:extLst>
+                  <a:ext uri="{0D108BD9-81ED-4DB2-BD59-A6C34878D82A}">
+                    <a16:rowId xmlns:a16="http://schemas.microsoft.com/office/drawing/2014/main" val="3383750996"/>
+                  </a:ext>
+                </a:extLst>
+              </a:tr>
+              <a:tr h="718407">
+                <a:tc vMerge="1">
+                  <a:txBody>
+                    <a:bodyPr/>
+                    <a:lstStyle/>
+                    <a:p>
+                      <a:endParaRPr lang="zh-CN" altLang="en-US"/>
+                    </a:p>
+                  </a:txBody>
+                  <a:tcPr/>
+                </a:tc>
+                <a:tc>
+                  <a:txBody>
+                    <a:bodyPr/>
+                    <a:lstStyle/>
+                    <a:p>
+                      <a:r>
+                        <a:rPr lang="en-US" sz="1400"/>
+                        <a:t>(?&lt;name&gt;exp)</a:t>
+                      </a:r>
+                    </a:p>
+                  </a:txBody>
+                  <a:tcPr marL="71841" marR="71841" marT="35920" marB="35920" anchor="ctr">
+                    <a:lnL>
+                      <a:noFill/>
+                    </a:lnL>
+                    <a:lnR>
+                      <a:noFill/>
+                    </a:lnR>
+                    <a:lnT>
+                      <a:noFill/>
+                    </a:lnT>
+                    <a:lnB>
+                      <a:noFill/>
+                    </a:lnB>
+                  </a:tcPr>
+                </a:tc>
+                <a:tc>
+                  <a:txBody>
+                    <a:bodyPr/>
+                    <a:lstStyle/>
+                    <a:p>
+                      <a:r>
+                        <a:rPr lang="zh-CN" altLang="en-US" sz="1400"/>
+                        <a:t>匹配</a:t>
+                      </a:r>
+                      <a:r>
+                        <a:rPr lang="en-US" altLang="zh-CN" sz="1400"/>
+                        <a:t>exp,</a:t>
+                      </a:r>
+                      <a:r>
+                        <a:rPr lang="zh-CN" altLang="en-US" sz="1400"/>
+                        <a:t>并捕获文本到名称为</a:t>
+                      </a:r>
+                      <a:r>
+                        <a:rPr lang="en-US" altLang="zh-CN" sz="1400"/>
+                        <a:t>name</a:t>
+                      </a:r>
+                      <a:r>
+                        <a:rPr lang="zh-CN" altLang="en-US" sz="1400"/>
+                        <a:t>的组里，也可以写成</a:t>
+                      </a:r>
+                      <a:r>
+                        <a:rPr lang="en-US" altLang="zh-CN" sz="1400"/>
+                        <a:t>(?'name'exp)</a:t>
+                      </a:r>
+                    </a:p>
+                  </a:txBody>
+                  <a:tcPr marL="71841" marR="71841" marT="35920" marB="35920" anchor="ctr">
+                    <a:lnL>
+                      <a:noFill/>
+                    </a:lnL>
+                    <a:lnR>
+                      <a:noFill/>
+                    </a:lnR>
+                    <a:lnT>
+                      <a:noFill/>
+                    </a:lnT>
+                    <a:lnB>
+                      <a:noFill/>
+                    </a:lnB>
+                  </a:tcPr>
+                </a:tc>
+                <a:extLst>
+                  <a:ext uri="{0D108BD9-81ED-4DB2-BD59-A6C34878D82A}">
+                    <a16:rowId xmlns:a16="http://schemas.microsoft.com/office/drawing/2014/main" val="713593235"/>
+                  </a:ext>
+                </a:extLst>
+              </a:tr>
+              <a:tr h="718407">
+                <a:tc vMerge="1">
+                  <a:txBody>
+                    <a:bodyPr/>
+                    <a:lstStyle/>
+                    <a:p>
+                      <a:endParaRPr lang="zh-CN" altLang="en-US"/>
+                    </a:p>
+                  </a:txBody>
+                  <a:tcPr/>
+                </a:tc>
+                <a:tc>
+                  <a:txBody>
+                    <a:bodyPr/>
+                    <a:lstStyle/>
+                    <a:p>
+                      <a:r>
+                        <a:rPr lang="en-US" sz="1400"/>
+                        <a:t>(?:exp)</a:t>
+                      </a:r>
+                    </a:p>
+                  </a:txBody>
+                  <a:tcPr marL="71841" marR="71841" marT="35920" marB="35920" anchor="ctr">
+                    <a:lnL>
+                      <a:noFill/>
+                    </a:lnL>
+                    <a:lnR>
+                      <a:noFill/>
+                    </a:lnR>
+                    <a:lnT>
+                      <a:noFill/>
+                    </a:lnT>
+                    <a:lnB>
+                      <a:noFill/>
+                    </a:lnB>
+                  </a:tcPr>
+                </a:tc>
+                <a:tc>
+                  <a:txBody>
+                    <a:bodyPr/>
+                    <a:lstStyle/>
+                    <a:p>
+                      <a:r>
+                        <a:rPr lang="zh-CN" altLang="en-US" sz="1400" dirty="0"/>
+                        <a:t>匹配</a:t>
+                      </a:r>
+                      <a:r>
+                        <a:rPr lang="en-US" altLang="zh-CN" sz="1400" dirty="0" err="1"/>
+                        <a:t>exp</a:t>
+                      </a:r>
+                      <a:r>
+                        <a:rPr lang="en-US" altLang="zh-CN" sz="1400" dirty="0"/>
+                        <a:t>,</a:t>
+                      </a:r>
+                      <a:r>
+                        <a:rPr lang="zh-CN" altLang="en-US" sz="1400" dirty="0"/>
+                        <a:t>不捕获匹配的文本，也不给此分组分配组号</a:t>
+                      </a:r>
+                    </a:p>
+                  </a:txBody>
+                  <a:tcPr marL="71841" marR="71841" marT="35920" marB="35920" anchor="ctr">
+                    <a:lnL>
+                      <a:noFill/>
+                    </a:lnL>
+                    <a:lnR>
+                      <a:noFill/>
+                    </a:lnR>
+                    <a:lnT>
+                      <a:noFill/>
+                    </a:lnT>
+                    <a:lnB>
+                      <a:noFill/>
+                    </a:lnB>
+                  </a:tcPr>
+                </a:tc>
+                <a:extLst>
+                  <a:ext uri="{0D108BD9-81ED-4DB2-BD59-A6C34878D82A}">
+                    <a16:rowId xmlns:a16="http://schemas.microsoft.com/office/drawing/2014/main" val="623747784"/>
+                  </a:ext>
+                </a:extLst>
+              </a:tr>
+              <a:tr h="287363">
+                <a:tc rowSpan="4">
+                  <a:txBody>
+                    <a:bodyPr/>
+                    <a:lstStyle/>
+                    <a:p>
+                      <a:r>
+                        <a:rPr lang="zh-CN" altLang="en-US" sz="1400"/>
+                        <a:t>零宽断言</a:t>
+                      </a:r>
+                    </a:p>
+                  </a:txBody>
+                  <a:tcPr marL="71841" marR="71841" marT="35920" marB="35920" anchor="ctr">
+                    <a:lnL>
+                      <a:noFill/>
+                    </a:lnL>
+                    <a:lnR>
+                      <a:noFill/>
+                    </a:lnR>
+                    <a:lnT>
+                      <a:noFill/>
+                    </a:lnT>
+                    <a:lnB>
+                      <a:noFill/>
+                    </a:lnB>
+                  </a:tcPr>
+                </a:tc>
+                <a:tc>
+                  <a:txBody>
+                    <a:bodyPr/>
+                    <a:lstStyle/>
+                    <a:p>
+                      <a:r>
+                        <a:rPr lang="en-US" sz="1400"/>
+                        <a:t>(?=exp)</a:t>
+                      </a:r>
+                    </a:p>
+                  </a:txBody>
+                  <a:tcPr marL="71841" marR="71841" marT="35920" marB="35920" anchor="ctr">
+                    <a:lnL>
+                      <a:noFill/>
+                    </a:lnL>
+                    <a:lnR>
+                      <a:noFill/>
+                    </a:lnR>
+                    <a:lnT>
+                      <a:noFill/>
+                    </a:lnT>
+                    <a:lnB>
+                      <a:noFill/>
+                    </a:lnB>
+                  </a:tcPr>
+                </a:tc>
+                <a:tc>
+                  <a:txBody>
+                    <a:bodyPr/>
+                    <a:lstStyle/>
+                    <a:p>
+                      <a:r>
+                        <a:rPr lang="zh-CN" altLang="en-US" sz="1400"/>
+                        <a:t>匹配</a:t>
+                      </a:r>
+                      <a:r>
+                        <a:rPr lang="en-US" sz="1400"/>
+                        <a:t>exp</a:t>
+                      </a:r>
+                      <a:r>
+                        <a:rPr lang="zh-CN" altLang="en-US" sz="1400"/>
+                        <a:t>前面的位置</a:t>
+                      </a:r>
+                    </a:p>
+                  </a:txBody>
+                  <a:tcPr marL="71841" marR="71841" marT="35920" marB="35920" anchor="ctr">
+                    <a:lnL>
+                      <a:noFill/>
+                    </a:lnL>
+                    <a:lnR>
+                      <a:noFill/>
+                    </a:lnR>
+                    <a:lnT>
+                      <a:noFill/>
+                    </a:lnT>
+                    <a:lnB>
+                      <a:noFill/>
+                    </a:lnB>
+                  </a:tcPr>
+                </a:tc>
+                <a:extLst>
+                  <a:ext uri="{0D108BD9-81ED-4DB2-BD59-A6C34878D82A}">
+                    <a16:rowId xmlns:a16="http://schemas.microsoft.com/office/drawing/2014/main" val="974395168"/>
+                  </a:ext>
+                </a:extLst>
+              </a:tr>
+              <a:tr h="287363">
+                <a:tc vMerge="1">
+                  <a:txBody>
+                    <a:bodyPr/>
+                    <a:lstStyle/>
+                    <a:p>
+                      <a:endParaRPr lang="zh-CN" altLang="en-US"/>
+                    </a:p>
+                  </a:txBody>
+                  <a:tcPr/>
+                </a:tc>
+                <a:tc>
+                  <a:txBody>
+                    <a:bodyPr/>
+                    <a:lstStyle/>
+                    <a:p>
+                      <a:r>
+                        <a:rPr lang="en-US" sz="1400"/>
+                        <a:t>(?&lt;=exp)</a:t>
+                      </a:r>
+                    </a:p>
+                  </a:txBody>
+                  <a:tcPr marL="71841" marR="71841" marT="35920" marB="35920" anchor="ctr">
+                    <a:lnL>
+                      <a:noFill/>
+                    </a:lnL>
+                    <a:lnR>
+                      <a:noFill/>
+                    </a:lnR>
+                    <a:lnT>
+                      <a:noFill/>
+                    </a:lnT>
+                    <a:lnB>
+                      <a:noFill/>
+                    </a:lnB>
+                  </a:tcPr>
+                </a:tc>
+                <a:tc>
+                  <a:txBody>
+                    <a:bodyPr/>
+                    <a:lstStyle/>
+                    <a:p>
+                      <a:r>
+                        <a:rPr lang="zh-CN" altLang="en-US" sz="1400"/>
+                        <a:t>匹配</a:t>
+                      </a:r>
+                      <a:r>
+                        <a:rPr lang="en-US" sz="1400"/>
+                        <a:t>exp</a:t>
+                      </a:r>
+                      <a:r>
+                        <a:rPr lang="zh-CN" altLang="en-US" sz="1400"/>
+                        <a:t>后面的位置</a:t>
+                      </a:r>
+                    </a:p>
+                  </a:txBody>
+                  <a:tcPr marL="71841" marR="71841" marT="35920" marB="35920" anchor="ctr">
+                    <a:lnL>
+                      <a:noFill/>
+                    </a:lnL>
+                    <a:lnR>
+                      <a:noFill/>
+                    </a:lnR>
+                    <a:lnT>
+                      <a:noFill/>
+                    </a:lnT>
+                    <a:lnB>
+                      <a:noFill/>
+                    </a:lnB>
+                  </a:tcPr>
+                </a:tc>
+                <a:extLst>
+                  <a:ext uri="{0D108BD9-81ED-4DB2-BD59-A6C34878D82A}">
+                    <a16:rowId xmlns:a16="http://schemas.microsoft.com/office/drawing/2014/main" val="2073968119"/>
+                  </a:ext>
+                </a:extLst>
+              </a:tr>
+              <a:tr h="502885">
+                <a:tc vMerge="1">
+                  <a:txBody>
+                    <a:bodyPr/>
+                    <a:lstStyle/>
+                    <a:p>
+                      <a:endParaRPr lang="zh-CN" altLang="en-US"/>
+                    </a:p>
+                  </a:txBody>
+                  <a:tcPr/>
+                </a:tc>
+                <a:tc>
+                  <a:txBody>
+                    <a:bodyPr/>
+                    <a:lstStyle/>
+                    <a:p>
+                      <a:r>
+                        <a:rPr lang="en-US" sz="1400"/>
+                        <a:t>(?!exp)</a:t>
+                      </a:r>
+                    </a:p>
+                  </a:txBody>
+                  <a:tcPr marL="71841" marR="71841" marT="35920" marB="35920" anchor="ctr">
+                    <a:lnL>
+                      <a:noFill/>
+                    </a:lnL>
+                    <a:lnR>
+                      <a:noFill/>
+                    </a:lnR>
+                    <a:lnT>
+                      <a:noFill/>
+                    </a:lnT>
+                    <a:lnB>
+                      <a:noFill/>
+                    </a:lnB>
+                  </a:tcPr>
+                </a:tc>
+                <a:tc>
+                  <a:txBody>
+                    <a:bodyPr/>
+                    <a:lstStyle/>
+                    <a:p>
+                      <a:r>
+                        <a:rPr lang="zh-CN" altLang="en-US" sz="1400"/>
+                        <a:t>匹配后面跟的不是</a:t>
+                      </a:r>
+                      <a:r>
+                        <a:rPr lang="en-US" sz="1400"/>
+                        <a:t>exp</a:t>
+                      </a:r>
+                      <a:r>
+                        <a:rPr lang="zh-CN" altLang="en-US" sz="1400"/>
+                        <a:t>的位置</a:t>
+                      </a:r>
+                    </a:p>
+                  </a:txBody>
+                  <a:tcPr marL="71841" marR="71841" marT="35920" marB="35920" anchor="ctr">
+                    <a:lnL>
+                      <a:noFill/>
+                    </a:lnL>
+                    <a:lnR>
+                      <a:noFill/>
+                    </a:lnR>
+                    <a:lnT>
+                      <a:noFill/>
+                    </a:lnT>
+                    <a:lnB>
+                      <a:noFill/>
+                    </a:lnB>
+                  </a:tcPr>
+                </a:tc>
+                <a:extLst>
+                  <a:ext uri="{0D108BD9-81ED-4DB2-BD59-A6C34878D82A}">
+                    <a16:rowId xmlns:a16="http://schemas.microsoft.com/office/drawing/2014/main" val="520475621"/>
+                  </a:ext>
+                </a:extLst>
+              </a:tr>
+              <a:tr h="287363">
+                <a:tc vMerge="1">
+                  <a:txBody>
+                    <a:bodyPr/>
+                    <a:lstStyle/>
+                    <a:p>
+                      <a:endParaRPr lang="zh-CN" altLang="en-US"/>
+                    </a:p>
+                  </a:txBody>
+                  <a:tcPr/>
+                </a:tc>
+                <a:tc>
+                  <a:txBody>
+                    <a:bodyPr/>
+                    <a:lstStyle/>
+                    <a:p>
+                      <a:r>
+                        <a:rPr lang="en-US" sz="1400"/>
+                        <a:t>(?&lt;!exp)</a:t>
+                      </a:r>
+                    </a:p>
+                  </a:txBody>
+                  <a:tcPr marL="71841" marR="71841" marT="35920" marB="35920" anchor="ctr">
+                    <a:lnL>
+                      <a:noFill/>
+                    </a:lnL>
+                    <a:lnR>
+                      <a:noFill/>
+                    </a:lnR>
+                    <a:lnT>
+                      <a:noFill/>
+                    </a:lnT>
+                    <a:lnB>
+                      <a:noFill/>
+                    </a:lnB>
+                  </a:tcPr>
+                </a:tc>
+                <a:tc>
+                  <a:txBody>
+                    <a:bodyPr/>
+                    <a:lstStyle/>
+                    <a:p>
+                      <a:r>
+                        <a:rPr lang="zh-CN" altLang="en-US" sz="1400" dirty="0"/>
+                        <a:t>匹配前面不是</a:t>
+                      </a:r>
+                      <a:r>
+                        <a:rPr lang="en-US" sz="1400" dirty="0" err="1"/>
+                        <a:t>exp</a:t>
+                      </a:r>
+                      <a:r>
+                        <a:rPr lang="zh-CN" altLang="en-US" sz="1400" dirty="0"/>
+                        <a:t>的位置</a:t>
+                      </a:r>
+                    </a:p>
+                  </a:txBody>
+                  <a:tcPr marL="71841" marR="71841" marT="35920" marB="35920" anchor="ctr">
+                    <a:lnL>
+                      <a:noFill/>
+                    </a:lnL>
+                    <a:lnR>
+                      <a:noFill/>
+                    </a:lnR>
+                    <a:lnT>
+                      <a:noFill/>
+                    </a:lnT>
+                    <a:lnB>
+                      <a:noFill/>
+                    </a:lnB>
+                  </a:tcPr>
+                </a:tc>
+                <a:extLst>
+                  <a:ext uri="{0D108BD9-81ED-4DB2-BD59-A6C34878D82A}">
+                    <a16:rowId xmlns:a16="http://schemas.microsoft.com/office/drawing/2014/main" val="3765894051"/>
+                  </a:ext>
+                </a:extLst>
+              </a:tr>
+            </a:tbl>
+          </a:graphicData>
+        </a:graphic>
+      </p:graphicFrame>
     </p:spTree>
     <p:extLst>
       <p:ext uri="{BB962C8B-B14F-4D97-AF65-F5344CB8AC3E}">
@@ -4268,7 +4999,6 @@
               <a:rPr lang="zh-CN" altLang="en-US" dirty="0"/>
               <a:t>正则表达式</a:t>
             </a:r>
-            <a:endParaRPr lang="zh-CN" altLang="en-US" dirty="0"/>
           </a:p>
         </p:txBody>
       </p:sp>
@@ -4294,7 +5024,6 @@
               <a:rPr lang="zh-CN" altLang="en-US" dirty="0"/>
               <a:t>正则表达式使用单个字符串来描述、匹配一系列符合某个句法规则。在很多文本编辑器里，正则表达式通常被用来检索、替换那些符合某个模式的文本。</a:t>
             </a:r>
-            <a:endParaRPr lang="zh-CN" altLang="en-US" dirty="0"/>
           </a:p>
         </p:txBody>
       </p:sp>
@@ -4517,7 +5246,6 @@
               <a:rPr lang="zh-CN" altLang="en-US" dirty="0"/>
               <a:t>入门</a:t>
             </a:r>
-            <a:endParaRPr lang="zh-CN" altLang="en-US" dirty="0"/>
           </a:p>
         </p:txBody>
       </p:sp>
@@ -5486,15 +6214,7 @@
             </a:pPr>
             <a:r>
               <a:rPr lang="en-US" altLang="zh-CN" dirty="0" smtClean="0"/>
-              <a:t>[a-</a:t>
-            </a:r>
-            <a:r>
-              <a:rPr lang="en-US" altLang="zh-CN" dirty="0" smtClean="0"/>
-              <a:t>z</a:t>
-            </a:r>
-            <a:r>
-              <a:rPr lang="en-US" altLang="zh-CN" dirty="0" smtClean="0"/>
-              <a:t>]</a:t>
+              <a:t>[a-z]</a:t>
             </a:r>
           </a:p>
           <a:p>
